--- a/img/architecture.pptx
+++ b/img/architecture.pptx
@@ -105,6 +105,11 @@
       </a:defRPr>
     </a:lvl9pPr>
   </p:defaultTextStyle>
+  <p:extLst>
+    <p:ext uri="{EFAFB233-063F-42B5-8137-9DF3F51BA10A}">
+      <p15:sldGuideLst xmlns:p15="http://schemas.microsoft.com/office/powerpoint/2012/main"/>
+    </p:ext>
+  </p:extLst>
 </p:presentation>
 </file>
 
@@ -3365,7 +3370,7 @@
               </a:avLst>
             </a:prstGeom>
             <a:solidFill>
-              <a:srgbClr val="424242"/>
+              <a:srgbClr val="318993"/>
             </a:solidFill>
             <a:ln>
               <a:noFill/>
@@ -3452,7 +3457,7 @@
               </a:avLst>
             </a:prstGeom>
             <a:solidFill>
-              <a:srgbClr val="424242"/>
+              <a:srgbClr val="318993"/>
             </a:solidFill>
             <a:ln>
               <a:noFill/>
@@ -3539,7 +3544,7 @@
               </a:avLst>
             </a:prstGeom>
             <a:solidFill>
-              <a:srgbClr val="424242"/>
+              <a:srgbClr val="318993"/>
             </a:solidFill>
             <a:ln>
               <a:noFill/>
@@ -3626,7 +3631,7 @@
               </a:avLst>
             </a:prstGeom>
             <a:solidFill>
-              <a:srgbClr val="424242"/>
+              <a:srgbClr val="665893"/>
             </a:solidFill>
             <a:ln>
               <a:noFill/>
@@ -3713,7 +3718,7 @@
               </a:avLst>
             </a:prstGeom>
             <a:solidFill>
-              <a:srgbClr val="424242"/>
+              <a:srgbClr val="665893"/>
             </a:solidFill>
             <a:ln>
               <a:noFill/>
@@ -4461,7 +4466,7 @@
             </a:prstGeom>
             <a:ln w="19050">
               <a:solidFill>
-                <a:srgbClr val="92D050"/>
+                <a:srgbClr val="318993"/>
               </a:solidFill>
               <a:prstDash val="solid"/>
             </a:ln>
@@ -4506,7 +4511,7 @@
             </a:prstGeom>
             <a:ln w="19050">
               <a:solidFill>
-                <a:srgbClr val="92D050"/>
+                <a:srgbClr val="318993"/>
               </a:solidFill>
               <a:prstDash val="solid"/>
             </a:ln>
@@ -4551,7 +4556,7 @@
             </a:prstGeom>
             <a:ln w="19050">
               <a:solidFill>
-                <a:srgbClr val="92D050"/>
+                <a:srgbClr val="318993"/>
               </a:solidFill>
               <a:prstDash val="solid"/>
             </a:ln>
@@ -4596,7 +4601,7 @@
             </a:prstGeom>
             <a:ln w="19050">
               <a:solidFill>
-                <a:srgbClr val="92D050"/>
+                <a:srgbClr val="665893"/>
               </a:solidFill>
               <a:prstDash val="solid"/>
             </a:ln>
@@ -4641,7 +4646,7 @@
             </a:prstGeom>
             <a:ln w="19050">
               <a:solidFill>
-                <a:srgbClr val="92D050"/>
+                <a:srgbClr val="665893"/>
               </a:solidFill>
               <a:prstDash val="solid"/>
             </a:ln>
@@ -4686,7 +4691,7 @@
             </a:prstGeom>
             <a:ln w="19050">
               <a:solidFill>
-                <a:srgbClr val="92D050"/>
+                <a:srgbClr val="424242"/>
               </a:solidFill>
               <a:prstDash val="solid"/>
             </a:ln>
@@ -5087,7 +5092,7 @@
             </a:prstGeom>
             <a:ln w="19050">
               <a:solidFill>
-                <a:srgbClr val="92D050"/>
+                <a:srgbClr val="0096FF"/>
               </a:solidFill>
               <a:prstDash val="solid"/>
             </a:ln>
@@ -5181,7 +5186,7 @@
               </a:avLst>
             </a:prstGeom>
             <a:solidFill>
-              <a:srgbClr val="424242"/>
+              <a:srgbClr val="318993"/>
             </a:solidFill>
             <a:ln>
               <a:noFill/>
@@ -5268,7 +5273,7 @@
               </a:avLst>
             </a:prstGeom>
             <a:solidFill>
-              <a:srgbClr val="424242"/>
+              <a:srgbClr val="665893"/>
             </a:solidFill>
             <a:ln>
               <a:noFill/>
@@ -5355,7 +5360,7 @@
               </a:avLst>
             </a:prstGeom>
             <a:solidFill>
-              <a:srgbClr val="424242"/>
+              <a:srgbClr val="665893"/>
             </a:solidFill>
             <a:ln>
               <a:noFill/>
@@ -5442,7 +5447,7 @@
               </a:avLst>
             </a:prstGeom>
             <a:solidFill>
-              <a:srgbClr val="424242"/>
+              <a:srgbClr val="665893"/>
             </a:solidFill>
             <a:ln>
               <a:noFill/>
@@ -5529,7 +5534,7 @@
               </a:avLst>
             </a:prstGeom>
             <a:solidFill>
-              <a:srgbClr val="424242"/>
+              <a:srgbClr val="665893"/>
             </a:solidFill>
             <a:ln>
               <a:noFill/>
@@ -5616,7 +5621,7 @@
               </a:avLst>
             </a:prstGeom>
             <a:solidFill>
-              <a:srgbClr val="424242"/>
+              <a:srgbClr val="665893"/>
             </a:solidFill>
             <a:ln>
               <a:noFill/>
@@ -6271,7 +6276,7 @@
             </a:prstGeom>
             <a:ln w="19050">
               <a:solidFill>
-                <a:srgbClr val="92D050"/>
+                <a:srgbClr val="318993"/>
               </a:solidFill>
               <a:prstDash val="solid"/>
             </a:ln>
@@ -6316,7 +6321,7 @@
             </a:prstGeom>
             <a:ln w="19050">
               <a:solidFill>
-                <a:srgbClr val="92D050"/>
+                <a:srgbClr val="665893"/>
               </a:solidFill>
               <a:prstDash val="solid"/>
             </a:ln>
@@ -6361,7 +6366,7 @@
             </a:prstGeom>
             <a:ln w="19050">
               <a:solidFill>
-                <a:srgbClr val="92D050"/>
+                <a:srgbClr val="665893"/>
               </a:solidFill>
               <a:prstDash val="solid"/>
             </a:ln>
@@ -6406,7 +6411,7 @@
             </a:prstGeom>
             <a:ln w="19050">
               <a:solidFill>
-                <a:srgbClr val="92D050"/>
+                <a:srgbClr val="665893"/>
               </a:solidFill>
               <a:prstDash val="solid"/>
             </a:ln>
@@ -6451,7 +6456,7 @@
             </a:prstGeom>
             <a:ln w="19050">
               <a:solidFill>
-                <a:srgbClr val="92D050"/>
+                <a:srgbClr val="665893"/>
               </a:solidFill>
               <a:prstDash val="solid"/>
             </a:ln>
@@ -6496,7 +6501,7 @@
             </a:prstGeom>
             <a:ln w="19050">
               <a:solidFill>
-                <a:srgbClr val="92D050"/>
+                <a:srgbClr val="665893"/>
               </a:solidFill>
               <a:prstDash val="solid"/>
             </a:ln>
@@ -6897,7 +6902,7 @@
             </a:prstGeom>
             <a:ln w="19050">
               <a:solidFill>
-                <a:srgbClr val="92D050"/>
+                <a:srgbClr val="0096FF"/>
               </a:solidFill>
               <a:prstDash val="solid"/>
             </a:ln>
